--- a/.github/img/share.pptx
+++ b/.github/img/share.pptx
@@ -104,6 +104,11 @@
       </a:defRPr>
     </a:lvl9pPr>
   </p:defaultTextStyle>
+  <p:extLst>
+    <p:ext uri="{EFAFB233-063F-42B5-8137-9DF3F51BA10A}">
+      <p15:sldGuideLst xmlns:p15="http://schemas.microsoft.com/office/powerpoint/2012/main"/>
+    </p:ext>
+  </p:extLst>
 </p:presentation>
 </file>
 
@@ -3454,6 +3459,118 @@
           <a:p>
             <a:pPr algn="ctr"/>
             <a:endParaRPr lang="en-US"/>
+          </a:p>
+        </p:txBody>
+      </p:sp>
+      <p:pic>
+        <p:nvPicPr>
+          <p:cNvPr id="3" name="Picture 2" descr="A pair of cherries with green stems&#10;&#10;Description automatically generated">
+            <a:extLst>
+              <a:ext uri="{FF2B5EF4-FFF2-40B4-BE49-F238E27FC236}">
+                <a16:creationId xmlns:a16="http://schemas.microsoft.com/office/drawing/2014/main" id="{F1E987BC-0311-779C-2699-9E40BEAD57B0}"/>
+              </a:ext>
+            </a:extLst>
+          </p:cNvPr>
+          <p:cNvPicPr>
+            <a:picLocks noChangeAspect="1"/>
+          </p:cNvPicPr>
+          <p:nvPr/>
+        </p:nvPicPr>
+        <p:blipFill>
+          <a:blip r:embed="rId5">
+            <a:extLst>
+              <a:ext uri="{28A0092B-C50C-407E-A947-70E740481C1C}">
+                <a14:useLocalDpi xmlns:a14="http://schemas.microsoft.com/office/drawing/2010/main" val="0"/>
+              </a:ext>
+            </a:extLst>
+          </a:blip>
+          <a:stretch>
+            <a:fillRect/>
+          </a:stretch>
+        </p:blipFill>
+        <p:spPr>
+          <a:xfrm>
+            <a:off x="2221210" y="2152655"/>
+            <a:ext cx="1571828" cy="1571828"/>
+          </a:xfrm>
+          <a:prstGeom prst="rect">
+            <a:avLst/>
+          </a:prstGeom>
+        </p:spPr>
+      </p:pic>
+      <p:sp>
+        <p:nvSpPr>
+          <p:cNvPr id="4" name="TextBox 3">
+            <a:extLst>
+              <a:ext uri="{FF2B5EF4-FFF2-40B4-BE49-F238E27FC236}">
+                <a16:creationId xmlns:a16="http://schemas.microsoft.com/office/drawing/2014/main" id="{C06AB343-6A63-C15B-2A04-8F16D8843B0A}"/>
+              </a:ext>
+            </a:extLst>
+          </p:cNvPr>
+          <p:cNvSpPr txBox="1"/>
+          <p:nvPr/>
+        </p:nvSpPr>
+        <p:spPr>
+          <a:xfrm>
+            <a:off x="8339807" y="2261704"/>
+            <a:ext cx="1416157" cy="923330"/>
+          </a:xfrm>
+          <a:prstGeom prst="rect">
+            <a:avLst/>
+          </a:prstGeom>
+          <a:noFill/>
+        </p:spPr>
+        <p:txBody>
+          <a:bodyPr wrap="none" rtlCol="0">
+            <a:spAutoFit/>
+          </a:bodyPr>
+          <a:lstStyle/>
+          <a:p>
+            <a:r>
+              <a:rPr lang="en-US" sz="5400" b="1" dirty="0">
+                <a:latin typeface="Segoe UI" panose="020B0502040204020203" pitchFamily="34" charset="0"/>
+                <a:cs typeface="Segoe UI" panose="020B0502040204020203" pitchFamily="34" charset="0"/>
+              </a:rPr>
+              <a:t>VLC</a:t>
+            </a:r>
+          </a:p>
+        </p:txBody>
+      </p:sp>
+      <p:sp>
+        <p:nvSpPr>
+          <p:cNvPr id="6" name="TextBox 5">
+            <a:extLst>
+              <a:ext uri="{FF2B5EF4-FFF2-40B4-BE49-F238E27FC236}">
+                <a16:creationId xmlns:a16="http://schemas.microsoft.com/office/drawing/2014/main" id="{05E32D43-7025-B120-D077-33DCDCA46748}"/>
+              </a:ext>
+            </a:extLst>
+          </p:cNvPr>
+          <p:cNvSpPr txBox="1"/>
+          <p:nvPr/>
+        </p:nvSpPr>
+        <p:spPr>
+          <a:xfrm>
+            <a:off x="9711707" y="3482829"/>
+            <a:ext cx="915059" cy="584775"/>
+          </a:xfrm>
+          <a:prstGeom prst="rect">
+            <a:avLst/>
+          </a:prstGeom>
+          <a:noFill/>
+        </p:spPr>
+        <p:txBody>
+          <a:bodyPr wrap="none" rtlCol="0">
+            <a:spAutoFit/>
+          </a:bodyPr>
+          <a:lstStyle/>
+          <a:p>
+            <a:r>
+              <a:rPr lang="en-US" sz="3200" b="1" dirty="0">
+                <a:latin typeface="Segoe UI" panose="020B0502040204020203" pitchFamily="34" charset="0"/>
+                <a:cs typeface="Segoe UI" panose="020B0502040204020203" pitchFamily="34" charset="0"/>
+              </a:rPr>
+              <a:t>VLC</a:t>
+            </a:r>
           </a:p>
         </p:txBody>
       </p:sp>
